--- a/EsriIntegratedTests/DOCs/Testes Integrados Automatizados.pptx
+++ b/EsriIntegratedTests/DOCs/Testes Integrados Automatizados.pptx
@@ -210,7 +210,7 @@
             <a:fld id="{BE1137EA-5538-429E-9E3E-89F29BC0CDEC}" type="datetimeFigureOut">
               <a:rPr lang="pt-BR" smtClean="0"/>
               <a:pPr/>
-              <a:t>23/04/2012</a:t>
+              <a:t>02/06/2012</a:t>
             </a:fld>
             <a:endParaRPr lang="pt-BR"/>
           </a:p>
@@ -379,6 +379,11 @@
         </p:txBody>
       </p:sp>
     </p:spTree>
+    <p:extLst>
+      <p:ext uri="{BB962C8B-B14F-4D97-AF65-F5344CB8AC3E}">
+        <p14:creationId xmlns:p14="http://schemas.microsoft.com/office/powerpoint/2010/main" val="3319716798"/>
+      </p:ext>
+    </p:extLst>
   </p:cSld>
   <p:clrMap bg1="lt1" tx1="dk1" bg2="lt2" tx2="dk2" accent1="accent1" accent2="accent2" accent3="accent3" accent4="accent4" accent5="accent5" accent6="accent6" hlink="hlink" folHlink="folHlink"/>
   <p:notesStyle>
@@ -1062,7 +1067,7 @@
             <a:fld id="{19F881F6-C3B8-4CED-A2E7-6DB1D9E21ACA}" type="datetimeFigureOut">
               <a:rPr lang="pt-BR" smtClean="0"/>
               <a:pPr/>
-              <a:t>23/04/2012</a:t>
+              <a:t>02/06/2012</a:t>
             </a:fld>
             <a:endParaRPr lang="pt-BR"/>
           </a:p>
@@ -1229,7 +1234,7 @@
             <a:fld id="{19F881F6-C3B8-4CED-A2E7-6DB1D9E21ACA}" type="datetimeFigureOut">
               <a:rPr lang="pt-BR" smtClean="0"/>
               <a:pPr/>
-              <a:t>23/04/2012</a:t>
+              <a:t>02/06/2012</a:t>
             </a:fld>
             <a:endParaRPr lang="pt-BR"/>
           </a:p>
@@ -1406,7 +1411,7 @@
             <a:fld id="{19F881F6-C3B8-4CED-A2E7-6DB1D9E21ACA}" type="datetimeFigureOut">
               <a:rPr lang="pt-BR" smtClean="0"/>
               <a:pPr/>
-              <a:t>23/04/2012</a:t>
+              <a:t>02/06/2012</a:t>
             </a:fld>
             <a:endParaRPr lang="pt-BR"/>
           </a:p>
@@ -1573,7 +1578,7 @@
             <a:fld id="{19F881F6-C3B8-4CED-A2E7-6DB1D9E21ACA}" type="datetimeFigureOut">
               <a:rPr lang="pt-BR" smtClean="0"/>
               <a:pPr/>
-              <a:t>23/04/2012</a:t>
+              <a:t>02/06/2012</a:t>
             </a:fld>
             <a:endParaRPr lang="pt-BR"/>
           </a:p>
@@ -1816,7 +1821,7 @@
             <a:fld id="{19F881F6-C3B8-4CED-A2E7-6DB1D9E21ACA}" type="datetimeFigureOut">
               <a:rPr lang="pt-BR" smtClean="0"/>
               <a:pPr/>
-              <a:t>23/04/2012</a:t>
+              <a:t>02/06/2012</a:t>
             </a:fld>
             <a:endParaRPr lang="pt-BR"/>
           </a:p>
@@ -2101,7 +2106,7 @@
             <a:fld id="{19F881F6-C3B8-4CED-A2E7-6DB1D9E21ACA}" type="datetimeFigureOut">
               <a:rPr lang="pt-BR" smtClean="0"/>
               <a:pPr/>
-              <a:t>23/04/2012</a:t>
+              <a:t>02/06/2012</a:t>
             </a:fld>
             <a:endParaRPr lang="pt-BR"/>
           </a:p>
@@ -2520,7 +2525,7 @@
             <a:fld id="{19F881F6-C3B8-4CED-A2E7-6DB1D9E21ACA}" type="datetimeFigureOut">
               <a:rPr lang="pt-BR" smtClean="0"/>
               <a:pPr/>
-              <a:t>23/04/2012</a:t>
+              <a:t>02/06/2012</a:t>
             </a:fld>
             <a:endParaRPr lang="pt-BR"/>
           </a:p>
@@ -2635,7 +2640,7 @@
             <a:fld id="{19F881F6-C3B8-4CED-A2E7-6DB1D9E21ACA}" type="datetimeFigureOut">
               <a:rPr lang="pt-BR" smtClean="0"/>
               <a:pPr/>
-              <a:t>23/04/2012</a:t>
+              <a:t>02/06/2012</a:t>
             </a:fld>
             <a:endParaRPr lang="pt-BR"/>
           </a:p>
@@ -2727,7 +2732,7 @@
             <a:fld id="{19F881F6-C3B8-4CED-A2E7-6DB1D9E21ACA}" type="datetimeFigureOut">
               <a:rPr lang="pt-BR" smtClean="0"/>
               <a:pPr/>
-              <a:t>23/04/2012</a:t>
+              <a:t>02/06/2012</a:t>
             </a:fld>
             <a:endParaRPr lang="pt-BR"/>
           </a:p>
@@ -3001,7 +3006,7 @@
             <a:fld id="{19F881F6-C3B8-4CED-A2E7-6DB1D9E21ACA}" type="datetimeFigureOut">
               <a:rPr lang="pt-BR" smtClean="0"/>
               <a:pPr/>
-              <a:t>23/04/2012</a:t>
+              <a:t>02/06/2012</a:t>
             </a:fld>
             <a:endParaRPr lang="pt-BR"/>
           </a:p>
@@ -3251,7 +3256,7 @@
             <a:fld id="{19F881F6-C3B8-4CED-A2E7-6DB1D9E21ACA}" type="datetimeFigureOut">
               <a:rPr lang="pt-BR" smtClean="0"/>
               <a:pPr/>
-              <a:t>23/04/2012</a:t>
+              <a:t>02/06/2012</a:t>
             </a:fld>
             <a:endParaRPr lang="pt-BR"/>
           </a:p>
@@ -3464,7 +3469,7 @@
             <a:fld id="{19F881F6-C3B8-4CED-A2E7-6DB1D9E21ACA}" type="datetimeFigureOut">
               <a:rPr lang="pt-BR" smtClean="0"/>
               <a:pPr/>
-              <a:t>23/04/2012</a:t>
+              <a:t>02/06/2012</a:t>
             </a:fld>
             <a:endParaRPr lang="pt-BR"/>
           </a:p>
@@ -3907,15 +3912,82 @@
           <a:p>
             <a:pPr algn="r"/>
             <a:r>
-              <a:rPr lang="pt-BR" sz="3200" b="1" dirty="0" smtClean="0">
+              <a:rPr lang="pt-BR" sz="3200" b="1" dirty="0" err="1" smtClean="0">
                 <a:solidFill>
                   <a:schemeClr val="bg1"/>
                 </a:solidFill>
                 <a:latin typeface="Tempus Sans ITC" pitchFamily="82" charset="0"/>
                 <a:cs typeface="MV Boli" pitchFamily="2" charset="0"/>
               </a:rPr>
-              <a:t>Testes Integrados Automatizados com</a:t>
-            </a:r>
+              <a:t>Automated</a:t>
+            </a:r>
+            <a:r>
+              <a:rPr lang="pt-BR" sz="3200" b="1" dirty="0" smtClean="0">
+                <a:solidFill>
+                  <a:schemeClr val="bg1"/>
+                </a:solidFill>
+                <a:latin typeface="Tempus Sans ITC" pitchFamily="82" charset="0"/>
+                <a:cs typeface="MV Boli" pitchFamily="2" charset="0"/>
+              </a:rPr>
+              <a:t> </a:t>
+            </a:r>
+            <a:r>
+              <a:rPr lang="pt-BR" sz="3200" b="1" dirty="0" err="1" smtClean="0">
+                <a:solidFill>
+                  <a:schemeClr val="bg1"/>
+                </a:solidFill>
+                <a:latin typeface="Tempus Sans ITC" pitchFamily="82" charset="0"/>
+                <a:cs typeface="MV Boli" pitchFamily="2" charset="0"/>
+              </a:rPr>
+              <a:t>Integrated</a:t>
+            </a:r>
+            <a:r>
+              <a:rPr lang="pt-BR" sz="3200" b="1" dirty="0" smtClean="0">
+                <a:solidFill>
+                  <a:schemeClr val="bg1"/>
+                </a:solidFill>
+                <a:latin typeface="Tempus Sans ITC" pitchFamily="82" charset="0"/>
+                <a:cs typeface="MV Boli" pitchFamily="2" charset="0"/>
+              </a:rPr>
+              <a:t> </a:t>
+            </a:r>
+            <a:r>
+              <a:rPr lang="pt-BR" sz="3200" b="1" dirty="0" err="1" smtClean="0">
+                <a:solidFill>
+                  <a:schemeClr val="bg1"/>
+                </a:solidFill>
+                <a:latin typeface="Tempus Sans ITC" pitchFamily="82" charset="0"/>
+                <a:cs typeface="MV Boli" pitchFamily="2" charset="0"/>
+              </a:rPr>
+              <a:t>Tests</a:t>
+            </a:r>
+            <a:r>
+              <a:rPr lang="pt-BR" sz="3200" b="1" dirty="0" smtClean="0">
+                <a:solidFill>
+                  <a:schemeClr val="bg1"/>
+                </a:solidFill>
+                <a:latin typeface="Tempus Sans ITC" pitchFamily="82" charset="0"/>
+                <a:cs typeface="MV Boli" pitchFamily="2" charset="0"/>
+              </a:rPr>
+              <a:t> </a:t>
+            </a:r>
+            <a:r>
+              <a:rPr lang="pt-BR" sz="3200" b="1" dirty="0" err="1" smtClean="0">
+                <a:solidFill>
+                  <a:schemeClr val="bg1"/>
+                </a:solidFill>
+                <a:latin typeface="Tempus Sans ITC" pitchFamily="82" charset="0"/>
+                <a:cs typeface="MV Boli" pitchFamily="2" charset="0"/>
+              </a:rPr>
+              <a:t>with</a:t>
+            </a:r>
+            <a:endParaRPr lang="pt-BR" sz="3200" b="1" dirty="0" smtClean="0">
+              <a:solidFill>
+                <a:schemeClr val="bg1"/>
+              </a:solidFill>
+              <a:latin typeface="Tempus Sans ITC" pitchFamily="82" charset="0"/>
+              <a:cs typeface="MV Boli" pitchFamily="2" charset="0"/>
+            </a:endParaRPr>
           </a:p>
           <a:p>
             <a:pPr algn="r"/>
@@ -4112,7 +4184,7 @@
           <a:lstStyle/>
           <a:p>
             <a:r>
-              <a:rPr lang="pt-BR" dirty="0" smtClean="0">
+              <a:rPr lang="pt-BR" dirty="0" err="1" smtClean="0">
                 <a:ln w="18415" cmpd="sng">
                   <a:solidFill>
                     <a:srgbClr val="FFFFFF"/>
@@ -4125,8 +4197,21 @@
                 <a:latin typeface="Lao UI" pitchFamily="34" charset="0"/>
                 <a:cs typeface="Lao UI" pitchFamily="34" charset="0"/>
               </a:rPr>
-              <a:t>com</a:t>
-            </a:r>
+              <a:t>with</a:t>
+            </a:r>
+            <a:endParaRPr lang="pt-BR" dirty="0" smtClean="0">
+              <a:ln w="18415" cmpd="sng">
+                <a:solidFill>
+                  <a:srgbClr val="FFFFFF"/>
+                </a:solidFill>
+                <a:prstDash val="solid"/>
+              </a:ln>
+              <a:solidFill>
+                <a:srgbClr val="92D050"/>
+              </a:solidFill>
+              <a:latin typeface="Lao UI" pitchFamily="34" charset="0"/>
+              <a:cs typeface="Lao UI" pitchFamily="34" charset="0"/>
+            </a:endParaRPr>
           </a:p>
           <a:p>
             <a:r>
@@ -4409,15 +4494,22 @@
           <a:p>
             <a:pPr algn="r"/>
             <a:r>
-              <a:rPr lang="pt-BR" sz="4400" b="1" dirty="0" smtClean="0">
+              <a:rPr lang="pt-BR" sz="4400" b="1" dirty="0" err="1" smtClean="0">
                 <a:solidFill>
                   <a:srgbClr val="92D050"/>
                 </a:solidFill>
                 <a:latin typeface="Tempus Sans ITC" pitchFamily="82" charset="0"/>
                 <a:cs typeface="MV Boli" pitchFamily="2" charset="0"/>
               </a:rPr>
-              <a:t>Licenças</a:t>
-            </a:r>
+              <a:t>Licenses</a:t>
+            </a:r>
+            <a:endParaRPr lang="pt-BR" sz="4400" b="1" dirty="0" smtClean="0">
+              <a:solidFill>
+                <a:srgbClr val="92D050"/>
+              </a:solidFill>
+              <a:latin typeface="Tempus Sans ITC" pitchFamily="82" charset="0"/>
+              <a:cs typeface="MV Boli" pitchFamily="2" charset="0"/>
+            </a:endParaRPr>
           </a:p>
         </p:txBody>
       </p:sp>
@@ -6398,15 +6490,22 @@
           <a:p>
             <a:pPr algn="r"/>
             <a:r>
-              <a:rPr lang="pt-BR" sz="4400" b="1" dirty="0" smtClean="0">
+              <a:rPr lang="pt-BR" sz="4400" b="1" dirty="0" err="1" smtClean="0">
                 <a:solidFill>
                   <a:srgbClr val="92D050"/>
                 </a:solidFill>
                 <a:latin typeface="Tempus Sans ITC" pitchFamily="82" charset="0"/>
                 <a:cs typeface="MV Boli" pitchFamily="2" charset="0"/>
               </a:rPr>
-              <a:t>Licenças</a:t>
-            </a:r>
+              <a:t>Licenses</a:t>
+            </a:r>
+            <a:endParaRPr lang="pt-BR" sz="4400" b="1" dirty="0" smtClean="0">
+              <a:solidFill>
+                <a:srgbClr val="92D050"/>
+              </a:solidFill>
+              <a:latin typeface="Tempus Sans ITC" pitchFamily="82" charset="0"/>
+              <a:cs typeface="MV Boli" pitchFamily="2" charset="0"/>
+            </a:endParaRPr>
           </a:p>
         </p:txBody>
       </p:sp>
@@ -6670,27 +6769,34 @@
           <a:p>
             <a:pPr algn="ctr"/>
             <a:r>
-              <a:rPr lang="pt-BR" sz="8800" b="1" dirty="0" smtClean="0">
+              <a:rPr lang="pt-BR" sz="8800" b="1" dirty="0" err="1" smtClean="0">
                 <a:solidFill>
                   <a:srgbClr val="FFFF99"/>
                 </a:solidFill>
                 <a:latin typeface="Tempus Sans ITC" pitchFamily="82" charset="0"/>
                 <a:cs typeface="MV Boli" pitchFamily="2" charset="0"/>
               </a:rPr>
-              <a:t>Benefícios</a:t>
-            </a:r>
+              <a:t>Expected</a:t>
+            </a:r>
+            <a:endParaRPr lang="pt-BR" sz="8800" b="1" dirty="0" smtClean="0">
+              <a:solidFill>
+                <a:srgbClr val="FFFF99"/>
+              </a:solidFill>
+              <a:latin typeface="Tempus Sans ITC" pitchFamily="82" charset="0"/>
+              <a:cs typeface="MV Boli" pitchFamily="2" charset="0"/>
+            </a:endParaRPr>
           </a:p>
           <a:p>
             <a:pPr algn="ctr"/>
             <a:r>
-              <a:rPr lang="pt-BR" sz="4800" b="1" dirty="0" smtClean="0">
+              <a:rPr lang="pt-BR" sz="4800" b="1" dirty="0" err="1" smtClean="0">
                 <a:solidFill>
                   <a:schemeClr val="bg1"/>
                 </a:solidFill>
                 <a:latin typeface="Tempus Sans ITC" pitchFamily="82" charset="0"/>
                 <a:cs typeface="MV Boli" pitchFamily="2" charset="0"/>
               </a:rPr>
-              <a:t>Esperados</a:t>
+              <a:t>Benefits</a:t>
             </a:r>
             <a:endParaRPr lang="pt-BR" sz="6000" b="1" dirty="0">
               <a:solidFill>
@@ -6910,7 +7016,7 @@
           <p:spPr>
             <a:xfrm>
               <a:off x="1763688" y="1196752"/>
-              <a:ext cx="1512168" cy="1631216"/>
+              <a:ext cx="1512168" cy="1077218"/>
             </a:xfrm>
             <a:prstGeom prst="rect">
               <a:avLst/>
@@ -6925,18 +7031,39 @@
             <a:p>
               <a:pPr algn="ctr"/>
               <a:r>
+                <a:rPr lang="pt-BR" sz="2800" dirty="0" err="1" smtClean="0">
+                  <a:latin typeface="Berlin Sans FB" pitchFamily="34" charset="0"/>
+                  <a:cs typeface="ARMADA/1991" pitchFamily="2" charset="0"/>
+                </a:rPr>
+                <a:t>Better</a:t>
+              </a:r>
+              <a:r>
                 <a:rPr lang="pt-BR" sz="2800" dirty="0" smtClean="0">
                   <a:latin typeface="Berlin Sans FB" pitchFamily="34" charset="0"/>
                   <a:cs typeface="ARMADA/1991" pitchFamily="2" charset="0"/>
                 </a:rPr>
-                <a:t>Melhor </a:t>
+                <a:t> </a:t>
+              </a:r>
+              <a:r>
+                <a:rPr lang="pt-BR" dirty="0" err="1" smtClean="0">
+                  <a:latin typeface="Berlin Sans FB" pitchFamily="34" charset="0"/>
+                  <a:cs typeface="ARMADA/1991" pitchFamily="2" charset="0"/>
+                </a:rPr>
+                <a:t>Geodatabase</a:t>
               </a:r>
               <a:r>
                 <a:rPr lang="pt-BR" dirty="0" smtClean="0">
                   <a:latin typeface="Berlin Sans FB" pitchFamily="34" charset="0"/>
                   <a:cs typeface="ARMADA/1991" pitchFamily="2" charset="0"/>
                 </a:rPr>
-                <a:t>entendimento do fluxo de dados no Geodatabase</a:t>
+                <a:t> data </a:t>
+              </a:r>
+              <a:r>
+                <a:rPr lang="pt-BR" dirty="0" err="1" smtClean="0">
+                  <a:latin typeface="Berlin Sans FB" pitchFamily="34" charset="0"/>
+                  <a:cs typeface="ARMADA/1991" pitchFamily="2" charset="0"/>
+                </a:rPr>
+                <a:t>flow</a:t>
               </a:r>
               <a:endParaRPr lang="pt-BR" dirty="0">
                 <a:latin typeface="Berlin Sans FB" pitchFamily="34" charset="0"/>
@@ -7024,22 +7151,30 @@
             <a:p>
               <a:pPr algn="ctr"/>
               <a:r>
-                <a:rPr lang="pt-BR" dirty="0" smtClean="0">
+                <a:rPr lang="pt-BR" dirty="0" err="1" smtClean="0">
                   <a:latin typeface="Berlin Sans FB" pitchFamily="34" charset="0"/>
                   <a:cs typeface="ARMADA/1991" pitchFamily="2" charset="0"/>
                 </a:rPr>
-                <a:t>cobertura de</a:t>
+                <a:t>Code</a:t>
               </a:r>
-            </a:p>
-            <a:p>
-              <a:pPr algn="ctr"/>
               <a:r>
                 <a:rPr lang="pt-BR" dirty="0" smtClean="0">
                   <a:latin typeface="Berlin Sans FB" pitchFamily="34" charset="0"/>
                   <a:cs typeface="ARMADA/1991" pitchFamily="2" charset="0"/>
                 </a:rPr>
-                <a:t>Código</a:t>
+                <a:t> </a:t>
               </a:r>
+              <a:r>
+                <a:rPr lang="pt-BR" dirty="0" err="1" smtClean="0">
+                  <a:latin typeface="Berlin Sans FB" pitchFamily="34" charset="0"/>
+                  <a:cs typeface="ARMADA/1991" pitchFamily="2" charset="0"/>
+                </a:rPr>
+                <a:t>coverage</a:t>
+              </a:r>
+              <a:endParaRPr lang="pt-BR" dirty="0" smtClean="0">
+                <a:latin typeface="Berlin Sans FB" pitchFamily="34" charset="0"/>
+                <a:cs typeface="ARMADA/1991" pitchFamily="2" charset="0"/>
+              </a:endParaRPr>
             </a:p>
             <a:p>
               <a:pPr algn="ctr"/>
@@ -7100,7 +7235,7 @@
           <p:spPr>
             <a:xfrm>
               <a:off x="1619672" y="4365104"/>
-              <a:ext cx="2232248" cy="1077218"/>
+              <a:ext cx="2232248" cy="1172759"/>
             </a:xfrm>
             <a:prstGeom prst="rect">
               <a:avLst/>
@@ -7115,11 +7250,11 @@
             <a:p>
               <a:pPr algn="ctr"/>
               <a:r>
-                <a:rPr lang="pt-BR" sz="2800" dirty="0" smtClean="0">
+                <a:rPr lang="pt-BR" sz="2800" dirty="0" err="1" smtClean="0">
                   <a:latin typeface="Berlin Sans FB" pitchFamily="34" charset="0"/>
                   <a:cs typeface="ARMADA/1991" pitchFamily="2" charset="0"/>
                 </a:rPr>
-                <a:t>Identificação</a:t>
+                <a:t>Fast</a:t>
               </a:r>
               <a:endParaRPr lang="pt-BR" sz="1400" dirty="0" smtClean="0">
                 <a:latin typeface="Berlin Sans FB" pitchFamily="34" charset="0"/>
@@ -7129,11 +7264,25 @@
             <a:p>
               <a:pPr algn="ctr"/>
               <a:r>
+                <a:rPr lang="pt-BR" dirty="0" err="1" smtClean="0">
+                  <a:latin typeface="Berlin Sans FB" pitchFamily="34" charset="0"/>
+                  <a:cs typeface="ARMADA/1991" pitchFamily="2" charset="0"/>
+                </a:rPr>
+                <a:t>troulbe</a:t>
+              </a:r>
+              <a:r>
                 <a:rPr lang="pt-BR" dirty="0" smtClean="0">
                   <a:latin typeface="Berlin Sans FB" pitchFamily="34" charset="0"/>
                   <a:cs typeface="ARMADA/1991" pitchFamily="2" charset="0"/>
                 </a:rPr>
-                <a:t>mais rápida de problemas novos</a:t>
+                <a:t> </a:t>
+              </a:r>
+              <a:r>
+                <a:rPr lang="pt-BR" dirty="0" err="1" smtClean="0">
+                  <a:latin typeface="Berlin Sans FB" pitchFamily="34" charset="0"/>
+                  <a:cs typeface="ARMADA/1991" pitchFamily="2" charset="0"/>
+                </a:rPr>
+                <a:t>identification</a:t>
               </a:r>
               <a:endParaRPr lang="pt-BR" sz="1200" dirty="0">
                 <a:latin typeface="Berlin Sans FB" pitchFamily="34" charset="0"/>
@@ -7207,11 +7356,11 @@
             <a:p>
               <a:pPr algn="ctr"/>
               <a:r>
-                <a:rPr lang="pt-BR" sz="2800" dirty="0" smtClean="0">
+                <a:rPr lang="pt-BR" sz="2800" dirty="0" err="1" smtClean="0">
                   <a:latin typeface="Berlin Sans FB" pitchFamily="34" charset="0"/>
                   <a:cs typeface="ARMADA/1991" pitchFamily="2" charset="0"/>
                 </a:rPr>
-                <a:t>Podem</a:t>
+                <a:t>Can</a:t>
               </a:r>
               <a:endParaRPr lang="pt-BR" sz="1400" dirty="0" smtClean="0">
                 <a:latin typeface="Berlin Sans FB" pitchFamily="34" charset="0"/>
@@ -7221,11 +7370,158 @@
             <a:p>
               <a:pPr algn="ctr"/>
               <a:r>
+                <a:rPr lang="pt-BR" dirty="0" err="1" smtClean="0">
+                  <a:latin typeface="Berlin Sans FB" pitchFamily="34" charset="0"/>
+                  <a:cs typeface="ARMADA/1991" pitchFamily="2" charset="0"/>
+                </a:rPr>
+                <a:t>be</a:t>
+              </a:r>
+              <a:r>
                 <a:rPr lang="pt-BR" dirty="0" smtClean="0">
                   <a:latin typeface="Berlin Sans FB" pitchFamily="34" charset="0"/>
                   <a:cs typeface="ARMADA/1991" pitchFamily="2" charset="0"/>
                 </a:rPr>
-                <a:t>ser realizados no cliente identificando problemas não encontrados</a:t>
+                <a:t> </a:t>
+              </a:r>
+              <a:r>
+                <a:rPr lang="pt-BR" dirty="0" err="1" smtClean="0">
+                  <a:latin typeface="Berlin Sans FB" pitchFamily="34" charset="0"/>
+                  <a:cs typeface="ARMADA/1991" pitchFamily="2" charset="0"/>
+                </a:rPr>
+                <a:t>executed</a:t>
+              </a:r>
+              <a:r>
+                <a:rPr lang="pt-BR" dirty="0" smtClean="0">
+                  <a:latin typeface="Berlin Sans FB" pitchFamily="34" charset="0"/>
+                  <a:cs typeface="ARMADA/1991" pitchFamily="2" charset="0"/>
+                </a:rPr>
+                <a:t> </a:t>
+              </a:r>
+              <a:r>
+                <a:rPr lang="pt-BR" dirty="0" err="1" smtClean="0">
+                  <a:latin typeface="Berlin Sans FB" pitchFamily="34" charset="0"/>
+                  <a:cs typeface="ARMADA/1991" pitchFamily="2" charset="0"/>
+                </a:rPr>
+                <a:t>even</a:t>
+              </a:r>
+              <a:r>
+                <a:rPr lang="pt-BR" dirty="0" smtClean="0">
+                  <a:latin typeface="Berlin Sans FB" pitchFamily="34" charset="0"/>
+                  <a:cs typeface="ARMADA/1991" pitchFamily="2" charset="0"/>
+                </a:rPr>
+                <a:t> </a:t>
+              </a:r>
+              <a:r>
+                <a:rPr lang="pt-BR" dirty="0" err="1" smtClean="0">
+                  <a:latin typeface="Berlin Sans FB" pitchFamily="34" charset="0"/>
+                  <a:cs typeface="ARMADA/1991" pitchFamily="2" charset="0"/>
+                </a:rPr>
+                <a:t>at</a:t>
+              </a:r>
+              <a:r>
+                <a:rPr lang="pt-BR" dirty="0" smtClean="0">
+                  <a:latin typeface="Berlin Sans FB" pitchFamily="34" charset="0"/>
+                  <a:cs typeface="ARMADA/1991" pitchFamily="2" charset="0"/>
+                </a:rPr>
+                <a:t> </a:t>
+              </a:r>
+              <a:r>
+                <a:rPr lang="pt-BR" dirty="0" err="1" smtClean="0">
+                  <a:latin typeface="Berlin Sans FB" pitchFamily="34" charset="0"/>
+                  <a:cs typeface="ARMADA/1991" pitchFamily="2" charset="0"/>
+                </a:rPr>
+                <a:t>the</a:t>
+              </a:r>
+              <a:r>
+                <a:rPr lang="pt-BR" dirty="0" smtClean="0">
+                  <a:latin typeface="Berlin Sans FB" pitchFamily="34" charset="0"/>
+                  <a:cs typeface="ARMADA/1991" pitchFamily="2" charset="0"/>
+                </a:rPr>
+                <a:t> </a:t>
+              </a:r>
+              <a:r>
+                <a:rPr lang="pt-BR" dirty="0" err="1" smtClean="0">
+                  <a:latin typeface="Berlin Sans FB" pitchFamily="34" charset="0"/>
+                  <a:cs typeface="ARMADA/1991" pitchFamily="2" charset="0"/>
+                </a:rPr>
+                <a:t>client</a:t>
+              </a:r>
+              <a:r>
+                <a:rPr lang="pt-BR" dirty="0" smtClean="0">
+                  <a:latin typeface="Berlin Sans FB" pitchFamily="34" charset="0"/>
+                  <a:cs typeface="ARMADA/1991" pitchFamily="2" charset="0"/>
+                </a:rPr>
+                <a:t> </a:t>
+              </a:r>
+              <a:r>
+                <a:rPr lang="pt-BR" dirty="0" err="1" smtClean="0">
+                  <a:latin typeface="Berlin Sans FB" pitchFamily="34" charset="0"/>
+                  <a:cs typeface="ARMADA/1991" pitchFamily="2" charset="0"/>
+                </a:rPr>
+                <a:t>finding</a:t>
+              </a:r>
+              <a:r>
+                <a:rPr lang="pt-BR" dirty="0" smtClean="0">
+                  <a:latin typeface="Berlin Sans FB" pitchFamily="34" charset="0"/>
+                  <a:cs typeface="ARMADA/1991" pitchFamily="2" charset="0"/>
+                </a:rPr>
+                <a:t> </a:t>
+              </a:r>
+              <a:r>
+                <a:rPr lang="pt-BR" dirty="0" err="1" smtClean="0">
+                  <a:latin typeface="Berlin Sans FB" pitchFamily="34" charset="0"/>
+                  <a:cs typeface="ARMADA/1991" pitchFamily="2" charset="0"/>
+                </a:rPr>
+                <a:t>not</a:t>
+              </a:r>
+              <a:r>
+                <a:rPr lang="pt-BR" dirty="0" smtClean="0">
+                  <a:latin typeface="Berlin Sans FB" pitchFamily="34" charset="0"/>
+                  <a:cs typeface="ARMADA/1991" pitchFamily="2" charset="0"/>
+                </a:rPr>
+                <a:t> </a:t>
+              </a:r>
+              <a:r>
+                <a:rPr lang="pt-BR" dirty="0" err="1" smtClean="0">
+                  <a:latin typeface="Berlin Sans FB" pitchFamily="34" charset="0"/>
+                  <a:cs typeface="ARMADA/1991" pitchFamily="2" charset="0"/>
+                </a:rPr>
+                <a:t>known</a:t>
+              </a:r>
+              <a:r>
+                <a:rPr lang="pt-BR" dirty="0" smtClean="0">
+                  <a:latin typeface="Berlin Sans FB" pitchFamily="34" charset="0"/>
+                  <a:cs typeface="ARMADA/1991" pitchFamily="2" charset="0"/>
+                </a:rPr>
+                <a:t> </a:t>
+              </a:r>
+              <a:r>
+                <a:rPr lang="pt-BR" dirty="0" err="1" smtClean="0">
+                  <a:latin typeface="Berlin Sans FB" pitchFamily="34" charset="0"/>
+                  <a:cs typeface="ARMADA/1991" pitchFamily="2" charset="0"/>
+                </a:rPr>
+                <a:t>problems</a:t>
+              </a:r>
+              <a:r>
+                <a:rPr lang="pt-BR" dirty="0" smtClean="0">
+                  <a:latin typeface="Berlin Sans FB" pitchFamily="34" charset="0"/>
+                  <a:cs typeface="ARMADA/1991" pitchFamily="2" charset="0"/>
+                </a:rPr>
+                <a:t> (</a:t>
+              </a:r>
+              <a:r>
+                <a:rPr lang="pt-BR" dirty="0" err="1" smtClean="0">
+                  <a:latin typeface="Berlin Sans FB" pitchFamily="34" charset="0"/>
+                  <a:cs typeface="ARMADA/1991" pitchFamily="2" charset="0"/>
+                </a:rPr>
+                <a:t>infraestructure</a:t>
+              </a:r>
+              <a:r>
+                <a:rPr lang="pt-BR" dirty="0" smtClean="0">
+                  <a:latin typeface="Berlin Sans FB" pitchFamily="34" charset="0"/>
+                  <a:cs typeface="ARMADA/1991" pitchFamily="2" charset="0"/>
+                </a:rPr>
+                <a:t>)</a:t>
               </a:r>
               <a:endParaRPr lang="pt-BR" sz="1200" dirty="0">
                 <a:latin typeface="Berlin Sans FB" pitchFamily="34" charset="0"/>
@@ -7284,7 +7580,7 @@
           <p:spPr>
             <a:xfrm>
               <a:off x="6660232" y="1412776"/>
-              <a:ext cx="2160240" cy="1538883"/>
+              <a:ext cx="2160240" cy="1292662"/>
             </a:xfrm>
             <a:prstGeom prst="rect">
               <a:avLst/>
@@ -7299,11 +7595,25 @@
             <a:p>
               <a:pPr algn="ctr"/>
               <a:r>
+                <a:rPr lang="pt-BR" sz="2800" dirty="0" err="1" smtClean="0">
+                  <a:latin typeface="Berlin Sans FB" pitchFamily="34" charset="0"/>
+                  <a:cs typeface="ARMADA/1991" pitchFamily="2" charset="0"/>
+                </a:rPr>
+                <a:t>To</a:t>
+              </a:r>
+              <a:r>
                 <a:rPr lang="pt-BR" sz="2800" dirty="0" smtClean="0">
                   <a:latin typeface="Berlin Sans FB" pitchFamily="34" charset="0"/>
                   <a:cs typeface="ARMADA/1991" pitchFamily="2" charset="0"/>
                 </a:rPr>
-                <a:t>Ter</a:t>
+                <a:t> </a:t>
+              </a:r>
+              <a:r>
+                <a:rPr lang="pt-BR" sz="2800" dirty="0" err="1" smtClean="0">
+                  <a:latin typeface="Berlin Sans FB" pitchFamily="34" charset="0"/>
+                  <a:cs typeface="ARMADA/1991" pitchFamily="2" charset="0"/>
+                </a:rPr>
+                <a:t>Have</a:t>
               </a:r>
               <a:endParaRPr lang="pt-BR" sz="1400" dirty="0" smtClean="0">
                 <a:latin typeface="Berlin Sans FB" pitchFamily="34" charset="0"/>
@@ -7313,22 +7623,72 @@
             <a:p>
               <a:pPr algn="ctr"/>
               <a:r>
-                <a:rPr lang="pt-BR" sz="1600" dirty="0" smtClean="0">
+                <a:rPr lang="pt-BR" sz="1600" dirty="0" err="1" smtClean="0">
                   <a:latin typeface="Berlin Sans FB" pitchFamily="34" charset="0"/>
                   <a:cs typeface="ARMADA/1991" pitchFamily="2" charset="0"/>
                 </a:rPr>
-                <a:t>Os desenvolvedores muito mais seguros </a:t>
+                <a:t>Much</a:t>
               </a:r>
-            </a:p>
-            <a:p>
-              <a:pPr algn="ctr"/>
               <a:r>
                 <a:rPr lang="pt-BR" sz="1600" dirty="0" smtClean="0">
                   <a:latin typeface="Berlin Sans FB" pitchFamily="34" charset="0"/>
                   <a:cs typeface="ARMADA/1991" pitchFamily="2" charset="0"/>
                 </a:rPr>
-                <a:t>e confiantes</a:t>
+                <a:t> more </a:t>
               </a:r>
+              <a:r>
+                <a:rPr lang="pt-BR" sz="1600" dirty="0" err="1" smtClean="0">
+                  <a:latin typeface="Berlin Sans FB" pitchFamily="34" charset="0"/>
+                  <a:cs typeface="ARMADA/1991" pitchFamily="2" charset="0"/>
+                </a:rPr>
+                <a:t>secure</a:t>
+              </a:r>
+              <a:r>
+                <a:rPr lang="pt-BR" sz="1600" dirty="0" smtClean="0">
+                  <a:latin typeface="Berlin Sans FB" pitchFamily="34" charset="0"/>
+                  <a:cs typeface="ARMADA/1991" pitchFamily="2" charset="0"/>
+                </a:rPr>
+                <a:t> </a:t>
+              </a:r>
+              <a:r>
+                <a:rPr lang="pt-BR" sz="1600" dirty="0" err="1" smtClean="0">
+                  <a:latin typeface="Berlin Sans FB" pitchFamily="34" charset="0"/>
+                  <a:cs typeface="ARMADA/1991" pitchFamily="2" charset="0"/>
+                </a:rPr>
+                <a:t>and</a:t>
+              </a:r>
+              <a:r>
+                <a:rPr lang="pt-BR" sz="1600" dirty="0" smtClean="0">
+                  <a:latin typeface="Berlin Sans FB" pitchFamily="34" charset="0"/>
+                  <a:cs typeface="ARMADA/1991" pitchFamily="2" charset="0"/>
+                </a:rPr>
+                <a:t> </a:t>
+              </a:r>
+              <a:r>
+                <a:rPr lang="pt-BR" sz="1600" dirty="0" err="1" smtClean="0">
+                  <a:latin typeface="Berlin Sans FB" pitchFamily="34" charset="0"/>
+                  <a:cs typeface="ARMADA/1991" pitchFamily="2" charset="0"/>
+                </a:rPr>
+                <a:t>confident</a:t>
+              </a:r>
+              <a:r>
+                <a:rPr lang="pt-BR" sz="1600" dirty="0" smtClean="0">
+                  <a:latin typeface="Berlin Sans FB" pitchFamily="34" charset="0"/>
+                  <a:cs typeface="ARMADA/1991" pitchFamily="2" charset="0"/>
+                </a:rPr>
+                <a:t> </a:t>
+              </a:r>
+              <a:r>
+                <a:rPr lang="pt-BR" sz="1600" dirty="0" err="1" smtClean="0">
+                  <a:latin typeface="Berlin Sans FB" pitchFamily="34" charset="0"/>
+                  <a:cs typeface="ARMADA/1991" pitchFamily="2" charset="0"/>
+                </a:rPr>
+                <a:t>developers</a:t>
+              </a:r>
+              <a:endParaRPr lang="pt-BR" sz="1600" dirty="0" smtClean="0">
+                <a:latin typeface="Berlin Sans FB" pitchFamily="34" charset="0"/>
+                <a:cs typeface="ARMADA/1991" pitchFamily="2" charset="0"/>
+              </a:endParaRPr>
             </a:p>
             <a:p>
               <a:pPr algn="ctr"/>
@@ -7389,7 +7749,7 @@
           <p:spPr>
             <a:xfrm>
               <a:off x="3995936" y="980728"/>
-              <a:ext cx="2088232" cy="2185214"/>
+              <a:ext cx="2088232" cy="1908215"/>
             </a:xfrm>
             <a:prstGeom prst="rect">
               <a:avLst/>
@@ -7404,11 +7764,11 @@
             <a:p>
               <a:pPr algn="ctr"/>
               <a:r>
-                <a:rPr lang="pt-BR" sz="2800" dirty="0" smtClean="0">
+                <a:rPr lang="pt-BR" sz="2800" dirty="0" err="1" smtClean="0">
                   <a:latin typeface="Berlin Sans FB" pitchFamily="34" charset="0"/>
                   <a:cs typeface="ARMADA/1991" pitchFamily="2" charset="0"/>
                 </a:rPr>
-                <a:t>Testes</a:t>
+                <a:t>Integrated</a:t>
               </a:r>
               <a:endParaRPr lang="pt-BR" dirty="0" smtClean="0">
                 <a:latin typeface="Berlin Sans FB" pitchFamily="34" charset="0"/>
@@ -7418,11 +7778,200 @@
             <a:p>
               <a:pPr algn="ctr"/>
               <a:r>
+                <a:rPr lang="pt-BR" dirty="0" err="1" smtClean="0">
+                  <a:latin typeface="Berlin Sans FB" pitchFamily="34" charset="0"/>
+                  <a:cs typeface="ARMADA/1991" pitchFamily="2" charset="0"/>
+                </a:rPr>
+                <a:t>tests</a:t>
+              </a:r>
+              <a:r>
                 <a:rPr lang="pt-BR" dirty="0" smtClean="0">
                   <a:latin typeface="Berlin Sans FB" pitchFamily="34" charset="0"/>
                   <a:cs typeface="ARMADA/1991" pitchFamily="2" charset="0"/>
                 </a:rPr>
-                <a:t>Integrados podem contar mais sobre uma estória do que  uma documentação abrangente</a:t>
+                <a:t> </a:t>
+              </a:r>
+              <a:r>
+                <a:rPr lang="pt-BR" dirty="0" err="1" smtClean="0">
+                  <a:latin typeface="Berlin Sans FB" pitchFamily="34" charset="0"/>
+                  <a:cs typeface="ARMADA/1991" pitchFamily="2" charset="0"/>
+                </a:rPr>
+                <a:t>can</a:t>
+              </a:r>
+              <a:r>
+                <a:rPr lang="pt-BR" dirty="0" smtClean="0">
+                  <a:latin typeface="Berlin Sans FB" pitchFamily="34" charset="0"/>
+                  <a:cs typeface="ARMADA/1991" pitchFamily="2" charset="0"/>
+                </a:rPr>
+                <a:t> </a:t>
+              </a:r>
+              <a:r>
+                <a:rPr lang="pt-BR" dirty="0" err="1" smtClean="0">
+                  <a:latin typeface="Berlin Sans FB" pitchFamily="34" charset="0"/>
+                  <a:cs typeface="ARMADA/1991" pitchFamily="2" charset="0"/>
+                </a:rPr>
+                <a:t>tell</a:t>
+              </a:r>
+              <a:r>
+                <a:rPr lang="pt-BR" dirty="0" smtClean="0">
+                  <a:latin typeface="Berlin Sans FB" pitchFamily="34" charset="0"/>
+                  <a:cs typeface="ARMADA/1991" pitchFamily="2" charset="0"/>
+                </a:rPr>
+                <a:t> </a:t>
+              </a:r>
+              <a:r>
+                <a:rPr lang="pt-BR" dirty="0" err="1" smtClean="0">
+                  <a:latin typeface="Berlin Sans FB" pitchFamily="34" charset="0"/>
+                  <a:cs typeface="ARMADA/1991" pitchFamily="2" charset="0"/>
+                </a:rPr>
+                <a:t>you</a:t>
+              </a:r>
+              <a:r>
+                <a:rPr lang="pt-BR" dirty="0" smtClean="0">
+                  <a:latin typeface="Berlin Sans FB" pitchFamily="34" charset="0"/>
+                  <a:cs typeface="ARMADA/1991" pitchFamily="2" charset="0"/>
+                </a:rPr>
+                <a:t> </a:t>
+              </a:r>
+              <a:r>
+                <a:rPr lang="pt-BR" dirty="0" err="1" smtClean="0">
+                  <a:latin typeface="Berlin Sans FB" pitchFamily="34" charset="0"/>
+                  <a:cs typeface="ARMADA/1991" pitchFamily="2" charset="0"/>
+                </a:rPr>
+                <a:t>about</a:t>
+              </a:r>
+              <a:r>
+                <a:rPr lang="pt-BR" dirty="0" smtClean="0">
+                  <a:latin typeface="Berlin Sans FB" pitchFamily="34" charset="0"/>
+                  <a:cs typeface="ARMADA/1991" pitchFamily="2" charset="0"/>
+                </a:rPr>
+                <a:t> </a:t>
+              </a:r>
+              <a:r>
+                <a:rPr lang="pt-BR" dirty="0" err="1" smtClean="0">
+                  <a:latin typeface="Berlin Sans FB" pitchFamily="34" charset="0"/>
+                  <a:cs typeface="ARMADA/1991" pitchFamily="2" charset="0"/>
+                </a:rPr>
+                <a:t>the</a:t>
+              </a:r>
+              <a:r>
+                <a:rPr lang="pt-BR" dirty="0" smtClean="0">
+                  <a:latin typeface="Berlin Sans FB" pitchFamily="34" charset="0"/>
+                  <a:cs typeface="ARMADA/1991" pitchFamily="2" charset="0"/>
+                </a:rPr>
+                <a:t> </a:t>
+              </a:r>
+              <a:r>
+                <a:rPr lang="pt-BR" dirty="0" err="1" smtClean="0">
+                  <a:latin typeface="Berlin Sans FB" pitchFamily="34" charset="0"/>
+                  <a:cs typeface="ARMADA/1991" pitchFamily="2" charset="0"/>
+                </a:rPr>
+                <a:t>problem</a:t>
+              </a:r>
+              <a:r>
+                <a:rPr lang="pt-BR" dirty="0" smtClean="0">
+                  <a:latin typeface="Berlin Sans FB" pitchFamily="34" charset="0"/>
+                  <a:cs typeface="ARMADA/1991" pitchFamily="2" charset="0"/>
+                </a:rPr>
+                <a:t> </a:t>
+              </a:r>
+              <a:r>
+                <a:rPr lang="pt-BR" dirty="0" err="1" smtClean="0">
+                  <a:latin typeface="Berlin Sans FB" pitchFamily="34" charset="0"/>
+                  <a:cs typeface="ARMADA/1991" pitchFamily="2" charset="0"/>
+                </a:rPr>
+                <a:t>than</a:t>
+              </a:r>
+              <a:r>
+                <a:rPr lang="pt-BR" dirty="0" smtClean="0">
+                  <a:latin typeface="Berlin Sans FB" pitchFamily="34" charset="0"/>
+                  <a:cs typeface="ARMADA/1991" pitchFamily="2" charset="0"/>
+                </a:rPr>
+                <a:t> </a:t>
+              </a:r>
+              <a:r>
+                <a:rPr lang="pt-BR" dirty="0" smtClean="0">
+                  <a:latin typeface="Berlin Sans FB" pitchFamily="34" charset="0"/>
+                  <a:cs typeface="ARMADA/1991" pitchFamily="2" charset="0"/>
+                </a:rPr>
+                <a:t>a </a:t>
+              </a:r>
+              <a:r>
+                <a:rPr lang="pt-BR" dirty="0" err="1" smtClean="0">
+                  <a:latin typeface="Berlin Sans FB" pitchFamily="34" charset="0"/>
+                  <a:cs typeface="ARMADA/1991" pitchFamily="2" charset="0"/>
+                </a:rPr>
+                <a:t>well</a:t>
+              </a:r>
+              <a:r>
+                <a:rPr lang="pt-BR" dirty="0" smtClean="0">
+                  <a:latin typeface="Berlin Sans FB" pitchFamily="34" charset="0"/>
+                  <a:cs typeface="ARMADA/1991" pitchFamily="2" charset="0"/>
+                </a:rPr>
+                <a:t> </a:t>
+              </a:r>
+              <a:r>
+                <a:rPr lang="pt-BR" dirty="0" err="1" smtClean="0">
+                  <a:latin typeface="Berlin Sans FB" pitchFamily="34" charset="0"/>
+                  <a:cs typeface="ARMADA/1991" pitchFamily="2" charset="0"/>
+                </a:rPr>
+                <a:t>written</a:t>
+              </a:r>
+              <a:r>
+                <a:rPr lang="pt-BR" dirty="0" smtClean="0">
+                  <a:latin typeface="Berlin Sans FB" pitchFamily="34" charset="0"/>
+                  <a:cs typeface="ARMADA/1991" pitchFamily="2" charset="0"/>
+                </a:rPr>
+                <a:t> </a:t>
+              </a:r>
+              <a:r>
+                <a:rPr lang="pt-BR" dirty="0" err="1" smtClean="0">
+                  <a:latin typeface="Berlin Sans FB" pitchFamily="34" charset="0"/>
+                  <a:cs typeface="ARMADA/1991" pitchFamily="2" charset="0"/>
+                </a:rPr>
+                <a:t>story</a:t>
+              </a:r>
+              <a:r>
+                <a:rPr lang="pt-BR" dirty="0" smtClean="0">
+                  <a:latin typeface="Berlin Sans FB" pitchFamily="34" charset="0"/>
+                  <a:cs typeface="ARMADA/1991" pitchFamily="2" charset="0"/>
+                </a:rPr>
+                <a:t> </a:t>
+              </a:r>
+              <a:r>
+                <a:rPr lang="pt-BR" dirty="0" err="1" smtClean="0">
+                  <a:latin typeface="Berlin Sans FB" pitchFamily="34" charset="0"/>
+                  <a:cs typeface="ARMADA/1991" pitchFamily="2" charset="0"/>
+                </a:rPr>
+                <a:t>or</a:t>
+              </a:r>
+              <a:r>
+                <a:rPr lang="pt-BR" dirty="0" smtClean="0">
+                  <a:latin typeface="Berlin Sans FB" pitchFamily="34" charset="0"/>
+                  <a:cs typeface="ARMADA/1991" pitchFamily="2" charset="0"/>
+                </a:rPr>
+                <a:t> </a:t>
+              </a:r>
+              <a:r>
+                <a:rPr lang="pt-BR" dirty="0" err="1" smtClean="0">
+                  <a:latin typeface="Berlin Sans FB" pitchFamily="34" charset="0"/>
+                  <a:cs typeface="ARMADA/1991" pitchFamily="2" charset="0"/>
+                </a:rPr>
+                <a:t>broad</a:t>
+              </a:r>
+              <a:r>
+                <a:rPr lang="pt-BR" dirty="0" smtClean="0">
+                  <a:latin typeface="Berlin Sans FB" pitchFamily="34" charset="0"/>
+                  <a:cs typeface="ARMADA/1991" pitchFamily="2" charset="0"/>
+                </a:rPr>
+                <a:t> </a:t>
+              </a:r>
+              <a:r>
+                <a:rPr lang="pt-BR" dirty="0" err="1" smtClean="0">
+                  <a:latin typeface="Berlin Sans FB" pitchFamily="34" charset="0"/>
+                  <a:cs typeface="ARMADA/1991" pitchFamily="2" charset="0"/>
+                </a:rPr>
+                <a:t>documentation</a:t>
               </a:r>
               <a:endParaRPr lang="pt-BR" dirty="0">
                 <a:latin typeface="Berlin Sans FB" pitchFamily="34" charset="0"/>
@@ -7791,20 +8340,27 @@
                 <a:latin typeface="Tempus Sans ITC" pitchFamily="82" charset="0"/>
                 <a:cs typeface="MV Boli" pitchFamily="2" charset="0"/>
               </a:rPr>
-              <a:t>Vendo</a:t>
-            </a:r>
+              <a:t>in</a:t>
+            </a:r>
+            <a:endParaRPr lang="pt-BR" sz="5400" b="1" dirty="0" smtClean="0">
+              <a:solidFill>
+                <a:schemeClr val="bg1"/>
+              </a:solidFill>
+              <a:latin typeface="Tempus Sans ITC" pitchFamily="82" charset="0"/>
+              <a:cs typeface="MV Boli" pitchFamily="2" charset="0"/>
+            </a:endParaRPr>
           </a:p>
           <a:p>
             <a:pPr algn="ctr"/>
             <a:r>
-              <a:rPr lang="pt-BR" sz="8800" b="1" dirty="0" smtClean="0">
+              <a:rPr lang="pt-BR" sz="8800" b="1" dirty="0" err="1" smtClean="0">
                 <a:solidFill>
                   <a:srgbClr val="92D050"/>
                 </a:solidFill>
                 <a:latin typeface="Tempus Sans ITC" pitchFamily="82" charset="0"/>
                 <a:cs typeface="MV Boli" pitchFamily="2" charset="0"/>
               </a:rPr>
-              <a:t>na prática</a:t>
+              <a:t>pratice</a:t>
             </a:r>
             <a:endParaRPr lang="pt-BR" sz="5400" b="1" dirty="0">
               <a:solidFill>
@@ -7986,15 +8542,42 @@
           <a:p>
             <a:pPr algn="ctr"/>
             <a:r>
-              <a:rPr lang="pt-BR" sz="6000" b="1" dirty="0" smtClean="0">
+              <a:rPr lang="pt-BR" sz="6000" b="1" dirty="0" err="1" smtClean="0">
                 <a:solidFill>
                   <a:schemeClr val="bg1"/>
                 </a:solidFill>
                 <a:latin typeface="Tempus Sans ITC" pitchFamily="82" charset="0"/>
                 <a:cs typeface="MV Boli" pitchFamily="2" charset="0"/>
               </a:rPr>
-              <a:t>Fazer um      produto</a:t>
-            </a:r>
+              <a:t>Making</a:t>
+            </a:r>
+            <a:r>
+              <a:rPr lang="pt-BR" sz="6000" b="1" dirty="0" smtClean="0">
+                <a:solidFill>
+                  <a:schemeClr val="bg1"/>
+                </a:solidFill>
+                <a:latin typeface="Tempus Sans ITC" pitchFamily="82" charset="0"/>
+                <a:cs typeface="MV Boli" pitchFamily="2" charset="0"/>
+              </a:rPr>
+              <a:t> a      </a:t>
+            </a:r>
+            <a:r>
+              <a:rPr lang="pt-BR" sz="6000" b="1" dirty="0" err="1" smtClean="0">
+                <a:solidFill>
+                  <a:schemeClr val="bg1"/>
+                </a:solidFill>
+                <a:latin typeface="Tempus Sans ITC" pitchFamily="82" charset="0"/>
+                <a:cs typeface="MV Boli" pitchFamily="2" charset="0"/>
+              </a:rPr>
+              <a:t>product</a:t>
+            </a:r>
+            <a:endParaRPr lang="pt-BR" sz="6000" b="1" dirty="0" smtClean="0">
+              <a:solidFill>
+                <a:schemeClr val="bg1"/>
+              </a:solidFill>
+              <a:latin typeface="Tempus Sans ITC" pitchFamily="82" charset="0"/>
+              <a:cs typeface="MV Boli" pitchFamily="2" charset="0"/>
+            </a:endParaRPr>
           </a:p>
         </p:txBody>
       </p:sp>
@@ -8065,8 +8648,8 @@
         </p:nvSpPr>
         <p:spPr>
           <a:xfrm rot="20266768">
-            <a:off x="4242032" y="899250"/>
-            <a:ext cx="3304736" cy="1569660"/>
+            <a:off x="4212172" y="747199"/>
+            <a:ext cx="4108874" cy="1569660"/>
           </a:xfrm>
           <a:prstGeom prst="rect">
             <a:avLst/>
@@ -8080,7 +8663,7 @@
           <a:lstStyle/>
           <a:p>
             <a:r>
-              <a:rPr lang="pt-BR" sz="9600" dirty="0" smtClean="0">
+              <a:rPr lang="pt-BR" sz="9600" dirty="0" err="1" smtClean="0">
                 <a:solidFill>
                   <a:schemeClr val="bg2">
                     <a:lumMod val="75000"/>
@@ -8091,7 +8674,7 @@
               <a:t>n</a:t>
             </a:r>
             <a:r>
-              <a:rPr lang="pt-BR" sz="9600" dirty="0" smtClean="0">
+              <a:rPr lang="pt-BR" sz="9600" dirty="0" err="1" smtClean="0">
                 <a:solidFill>
                   <a:srgbClr val="92D050"/>
                 </a:solidFill>
@@ -8100,59 +8683,56 @@
               <a:t>o</a:t>
             </a:r>
             <a:r>
-              <a:rPr lang="pt-BR" sz="9600" dirty="0" smtClean="0">
+              <a:rPr lang="pt-BR" sz="9600" dirty="0" err="1" smtClean="0">
+                <a:solidFill>
+                  <a:srgbClr val="FF0000"/>
+                </a:solidFill>
+                <a:latin typeface="Giddyup Std" pitchFamily="66" charset="0"/>
+              </a:rPr>
+              <a:t>t</a:t>
+            </a:r>
+            <a:r>
+              <a:rPr lang="pt-BR" sz="9600" dirty="0" err="1" smtClean="0">
                 <a:solidFill>
                   <a:srgbClr val="FFFF00"/>
                 </a:solidFill>
                 <a:latin typeface="Giddyup Std" pitchFamily="66" charset="0"/>
               </a:rPr>
-              <a:t>t</a:t>
-            </a:r>
-            <a:r>
-              <a:rPr lang="pt-BR" sz="9600" dirty="0" smtClean="0">
-                <a:solidFill>
-                  <a:schemeClr val="accent1">
-                    <a:lumMod val="60000"/>
-                    <a:lumOff val="40000"/>
+              <a:t>a</a:t>
+            </a:r>
+            <a:r>
+              <a:rPr lang="pt-BR" sz="9600" dirty="0" err="1" smtClean="0">
+                <a:solidFill>
+                  <a:schemeClr val="tx2">
+                    <a:lumMod val="40000"/>
+                    <a:lumOff val="60000"/>
                   </a:schemeClr>
                 </a:solidFill>
                 <a:latin typeface="Giddyup Std" pitchFamily="66" charset="0"/>
               </a:rPr>
-              <a:t>á</a:t>
-            </a:r>
-            <a:r>
-              <a:rPr lang="pt-BR" sz="9600" dirty="0" smtClean="0">
-                <a:solidFill>
-                  <a:srgbClr val="FF0000"/>
+              <a:t>b</a:t>
+            </a:r>
+            <a:r>
+              <a:rPr lang="pt-BR" sz="9600" dirty="0" err="1" smtClean="0">
+                <a:solidFill>
+                  <a:schemeClr val="bg1"/>
                 </a:solidFill>
                 <a:latin typeface="Giddyup Std" pitchFamily="66" charset="0"/>
               </a:rPr>
-              <a:t>v</a:t>
-            </a:r>
-            <a:r>
-              <a:rPr lang="pt-BR" sz="9600" dirty="0" smtClean="0">
-                <a:solidFill>
-                  <a:schemeClr val="accent6">
-                    <a:lumMod val="60000"/>
-                    <a:lumOff val="40000"/>
-                  </a:schemeClr>
+              <a:t>l</a:t>
+            </a:r>
+            <a:r>
+              <a:rPr lang="pt-BR" sz="9600" dirty="0" err="1" smtClean="0">
+                <a:solidFill>
+                  <a:schemeClr val="accent6"/>
                 </a:solidFill>
                 <a:latin typeface="Giddyup Std" pitchFamily="66" charset="0"/>
               </a:rPr>
               <a:t>e</a:t>
-            </a:r>
-            <a:r>
-              <a:rPr lang="pt-BR" sz="9600" dirty="0" smtClean="0">
-                <a:solidFill>
-                  <a:srgbClr val="92D050"/>
-                </a:solidFill>
-                <a:latin typeface="Giddyup Std" pitchFamily="66" charset="0"/>
-              </a:rPr>
-              <a:t>l</a:t>
             </a:r>
             <a:endParaRPr lang="pt-BR" sz="9600" dirty="0">
               <a:solidFill>
-                <a:srgbClr val="92D050"/>
+                <a:schemeClr val="accent6"/>
               </a:solidFill>
               <a:latin typeface="Giddyup Std" pitchFamily="66" charset="0"/>
             </a:endParaRPr>
@@ -8384,27 +8964,44 @@
           <a:p>
             <a:pPr algn="ctr"/>
             <a:r>
-              <a:rPr lang="pt-BR" sz="5400" b="1" dirty="0" smtClean="0">
+              <a:rPr lang="pt-BR" sz="5400" b="1" dirty="0" err="1" smtClean="0">
                 <a:solidFill>
                   <a:schemeClr val="bg1"/>
                 </a:solidFill>
                 <a:latin typeface="Tempus Sans ITC" pitchFamily="82" charset="0"/>
                 <a:cs typeface="MV Boli" pitchFamily="2" charset="0"/>
               </a:rPr>
-              <a:t>O que vem</a:t>
-            </a:r>
-          </a:p>
-          <a:p>
-            <a:pPr algn="ctr"/>
-            <a:r>
-              <a:rPr lang="pt-BR" sz="8800" b="1" dirty="0" smtClean="0">
-                <a:solidFill>
-                  <a:srgbClr val="92D050"/>
+              <a:t>What</a:t>
+            </a:r>
+            <a:r>
+              <a:rPr lang="pt-BR" sz="5400" b="1" dirty="0" smtClean="0">
+                <a:solidFill>
+                  <a:schemeClr val="bg1"/>
                 </a:solidFill>
                 <a:latin typeface="Tempus Sans ITC" pitchFamily="82" charset="0"/>
                 <a:cs typeface="MV Boli" pitchFamily="2" charset="0"/>
               </a:rPr>
-              <a:t>depois</a:t>
+              <a:t> cames</a:t>
+            </a:r>
+            <a:endParaRPr lang="pt-BR" sz="5400" b="1" dirty="0" smtClean="0">
+              <a:solidFill>
+                <a:schemeClr val="bg1"/>
+              </a:solidFill>
+              <a:latin typeface="Tempus Sans ITC" pitchFamily="82" charset="0"/>
+              <a:cs typeface="MV Boli" pitchFamily="2" charset="0"/>
+            </a:endParaRPr>
+          </a:p>
+          <a:p>
+            <a:pPr algn="ctr"/>
+            <a:r>
+              <a:rPr lang="pt-BR" sz="8800" b="1" dirty="0" err="1" smtClean="0">
+                <a:solidFill>
+                  <a:srgbClr val="92D050"/>
+                </a:solidFill>
+                <a:latin typeface="Tempus Sans ITC" pitchFamily="82" charset="0"/>
+                <a:cs typeface="MV Boli" pitchFamily="2" charset="0"/>
+              </a:rPr>
+              <a:t>after</a:t>
             </a:r>
             <a:endParaRPr lang="pt-BR" sz="5400" b="1" dirty="0">
               <a:solidFill>
@@ -8578,14 +9175,114 @@
           <a:p>
             <a:pPr algn="ctr"/>
             <a:r>
-              <a:rPr lang="pt-BR" sz="2800" b="1" dirty="0" smtClean="0">
+              <a:rPr lang="pt-BR" sz="2800" b="1" dirty="0" err="1" smtClean="0">
                 <a:solidFill>
                   <a:schemeClr val="bg1"/>
                 </a:solidFill>
                 <a:latin typeface="Tempus Sans ITC" pitchFamily="82" charset="0"/>
                 <a:cs typeface="MV Boli" pitchFamily="2" charset="0"/>
               </a:rPr>
-              <a:t>Nossa missão é: tornar o feedback</a:t>
+              <a:t>Our</a:t>
+            </a:r>
+            <a:r>
+              <a:rPr lang="pt-BR" sz="2800" b="1" dirty="0" smtClean="0">
+                <a:solidFill>
+                  <a:schemeClr val="bg1"/>
+                </a:solidFill>
+                <a:latin typeface="Tempus Sans ITC" pitchFamily="82" charset="0"/>
+                <a:cs typeface="MV Boli" pitchFamily="2" charset="0"/>
+              </a:rPr>
+              <a:t> </a:t>
+            </a:r>
+            <a:r>
+              <a:rPr lang="pt-BR" sz="2800" b="1" dirty="0" err="1" smtClean="0">
+                <a:solidFill>
+                  <a:schemeClr val="bg1"/>
+                </a:solidFill>
+                <a:latin typeface="Tempus Sans ITC" pitchFamily="82" charset="0"/>
+                <a:cs typeface="MV Boli" pitchFamily="2" charset="0"/>
+              </a:rPr>
+              <a:t>mission</a:t>
+            </a:r>
+            <a:r>
+              <a:rPr lang="pt-BR" sz="2800" b="1" dirty="0" smtClean="0">
+                <a:solidFill>
+                  <a:schemeClr val="bg1"/>
+                </a:solidFill>
+                <a:latin typeface="Tempus Sans ITC" pitchFamily="82" charset="0"/>
+                <a:cs typeface="MV Boli" pitchFamily="2" charset="0"/>
+              </a:rPr>
+              <a:t> </a:t>
+            </a:r>
+            <a:r>
+              <a:rPr lang="pt-BR" sz="2800" b="1" dirty="0" err="1" smtClean="0">
+                <a:solidFill>
+                  <a:schemeClr val="bg1"/>
+                </a:solidFill>
+                <a:latin typeface="Tempus Sans ITC" pitchFamily="82" charset="0"/>
+                <a:cs typeface="MV Boli" pitchFamily="2" charset="0"/>
+              </a:rPr>
+              <a:t>is</a:t>
+            </a:r>
+            <a:r>
+              <a:rPr lang="pt-BR" sz="2800" b="1" dirty="0" smtClean="0">
+                <a:solidFill>
+                  <a:schemeClr val="bg1"/>
+                </a:solidFill>
+                <a:latin typeface="Tempus Sans ITC" pitchFamily="82" charset="0"/>
+                <a:cs typeface="MV Boli" pitchFamily="2" charset="0"/>
+              </a:rPr>
+              <a:t>: </a:t>
+            </a:r>
+            <a:r>
+              <a:rPr lang="pt-BR" sz="2800" b="1" dirty="0" err="1" smtClean="0">
+                <a:solidFill>
+                  <a:schemeClr val="bg1"/>
+                </a:solidFill>
+                <a:latin typeface="Tempus Sans ITC" pitchFamily="82" charset="0"/>
+                <a:cs typeface="MV Boli" pitchFamily="2" charset="0"/>
+              </a:rPr>
+              <a:t>to</a:t>
+            </a:r>
+            <a:r>
+              <a:rPr lang="pt-BR" sz="2800" b="1" dirty="0" smtClean="0">
+                <a:solidFill>
+                  <a:schemeClr val="bg1"/>
+                </a:solidFill>
+                <a:latin typeface="Tempus Sans ITC" pitchFamily="82" charset="0"/>
+                <a:cs typeface="MV Boli" pitchFamily="2" charset="0"/>
+              </a:rPr>
+              <a:t> </a:t>
+            </a:r>
+            <a:r>
+              <a:rPr lang="pt-BR" sz="2800" b="1" dirty="0" err="1" smtClean="0">
+                <a:solidFill>
+                  <a:schemeClr val="bg1"/>
+                </a:solidFill>
+                <a:latin typeface="Tempus Sans ITC" pitchFamily="82" charset="0"/>
+                <a:cs typeface="MV Boli" pitchFamily="2" charset="0"/>
+              </a:rPr>
+              <a:t>make</a:t>
+            </a:r>
+            <a:r>
+              <a:rPr lang="pt-BR" sz="2800" b="1" dirty="0" smtClean="0">
+                <a:solidFill>
+                  <a:schemeClr val="bg1"/>
+                </a:solidFill>
+                <a:latin typeface="Tempus Sans ITC" pitchFamily="82" charset="0"/>
+                <a:cs typeface="MV Boli" pitchFamily="2" charset="0"/>
+              </a:rPr>
+              <a:t> a </a:t>
+            </a:r>
+            <a:r>
+              <a:rPr lang="pt-BR" sz="2800" b="1" dirty="0" err="1" smtClean="0">
+                <a:solidFill>
+                  <a:schemeClr val="bg1"/>
+                </a:solidFill>
+                <a:latin typeface="Tempus Sans ITC" pitchFamily="82" charset="0"/>
+                <a:cs typeface="MV Boli" pitchFamily="2" charset="0"/>
+              </a:rPr>
+              <a:t>full</a:t>
             </a:r>
             <a:endParaRPr lang="pt-BR" sz="2800" b="1" dirty="0">
               <a:solidFill>
@@ -8629,8 +9326,8 @@
         </p:nvSpPr>
         <p:spPr>
           <a:xfrm>
-            <a:off x="6695728" y="1988840"/>
-            <a:ext cx="2448272" cy="2448272"/>
+            <a:off x="6444208" y="1988840"/>
+            <a:ext cx="2699792" cy="2664296"/>
           </a:xfrm>
           <a:prstGeom prst="flowChartConnector">
             <a:avLst/>
@@ -8658,12 +9355,12 @@
           <a:p>
             <a:pPr algn="ctr"/>
             <a:r>
-              <a:rPr lang="pt-BR" sz="8000" dirty="0" smtClean="0">
+              <a:rPr lang="pt-BR" sz="4800" dirty="0" smtClean="0">
                 <a:latin typeface="Chiller" pitchFamily="82" charset="0"/>
               </a:rPr>
-              <a:t>Total</a:t>
-            </a:r>
-            <a:endParaRPr lang="pt-BR" sz="4400" dirty="0">
+              <a:t>Feedback</a:t>
+            </a:r>
+            <a:endParaRPr lang="pt-BR" sz="2000" dirty="0">
               <a:latin typeface="Chiller" pitchFamily="82" charset="0"/>
             </a:endParaRPr>
           </a:p>
@@ -9141,7 +9838,7 @@
         <p:spPr>
           <a:xfrm>
             <a:off x="395536" y="2420888"/>
-            <a:ext cx="8280920" cy="1323439"/>
+            <a:ext cx="8280920" cy="1569660"/>
           </a:xfrm>
           <a:prstGeom prst="rect">
             <a:avLst/>
@@ -9156,14 +9853,14 @@
           <a:p>
             <a:pPr algn="ctr"/>
             <a:r>
-              <a:rPr lang="pt-BR" sz="8000" b="1" dirty="0" smtClean="0">
-                <a:solidFill>
-                  <a:schemeClr val="bg1"/>
+              <a:rPr lang="pt-BR" sz="8000" b="1" dirty="0" err="1" smtClean="0">
+                <a:solidFill>
+                  <a:srgbClr val="92D050"/>
                 </a:solidFill>
                 <a:latin typeface="Tempus Sans ITC" pitchFamily="82" charset="0"/>
                 <a:cs typeface="MV Boli" pitchFamily="2" charset="0"/>
               </a:rPr>
-              <a:t>Testes </a:t>
+              <a:t>Integrated</a:t>
             </a:r>
             <a:r>
               <a:rPr lang="pt-BR" sz="8000" b="1" dirty="0" smtClean="0">
@@ -9173,7 +9870,27 @@
                 <a:latin typeface="Tempus Sans ITC" pitchFamily="82" charset="0"/>
                 <a:cs typeface="MV Boli" pitchFamily="2" charset="0"/>
               </a:rPr>
-              <a:t>Integrados</a:t>
+              <a:t> </a:t>
+            </a:r>
+            <a:r>
+              <a:rPr lang="pt-BR" sz="9600" b="1" dirty="0" err="1" smtClean="0">
+                <a:solidFill>
+                  <a:schemeClr val="bg1"/>
+                </a:solidFill>
+                <a:latin typeface="Tempus Sans ITC" pitchFamily="82" charset="0"/>
+                <a:cs typeface="MV Boli" pitchFamily="2" charset="0"/>
+              </a:rPr>
+              <a:t>Tests</a:t>
+            </a:r>
+            <a:r>
+              <a:rPr lang="pt-BR" sz="9600" b="1" dirty="0" smtClean="0">
+                <a:solidFill>
+                  <a:schemeClr val="bg1"/>
+                </a:solidFill>
+                <a:latin typeface="Tempus Sans ITC" pitchFamily="82" charset="0"/>
+                <a:cs typeface="MV Boli" pitchFamily="2" charset="0"/>
+              </a:rPr>
+              <a:t> </a:t>
             </a:r>
             <a:endParaRPr lang="pt-BR" sz="9600" b="1" dirty="0">
               <a:solidFill>
@@ -9344,14 +10061,14 @@
           <a:p>
             <a:pPr algn="ctr"/>
             <a:r>
-              <a:rPr lang="pt-BR" sz="8000" b="1" dirty="0" smtClean="0">
+              <a:rPr lang="pt-BR" sz="8000" b="1" dirty="0" err="1" smtClean="0">
                 <a:solidFill>
                   <a:schemeClr val="bg1"/>
                 </a:solidFill>
                 <a:latin typeface="Tempus Sans ITC" pitchFamily="82" charset="0"/>
                 <a:cs typeface="MV Boli" pitchFamily="2" charset="0"/>
               </a:rPr>
-              <a:t>Motivação</a:t>
+              <a:t>Motivation</a:t>
             </a:r>
             <a:endParaRPr lang="pt-BR" sz="11500" b="1" dirty="0">
               <a:solidFill>
@@ -9933,14 +10650,14 @@
           <a:p>
             <a:pPr algn="ctr"/>
             <a:r>
-              <a:rPr lang="pt-BR" sz="8000" b="1" dirty="0" smtClean="0">
+              <a:rPr lang="pt-BR" sz="8000" b="1" dirty="0" err="1" smtClean="0">
                 <a:solidFill>
                   <a:srgbClr val="92D050"/>
                 </a:solidFill>
                 <a:latin typeface="Tempus Sans ITC" pitchFamily="82" charset="0"/>
                 <a:cs typeface="MV Boli" pitchFamily="2" charset="0"/>
               </a:rPr>
-              <a:t>Estruturando</a:t>
+              <a:t>Structuring</a:t>
             </a:r>
             <a:endParaRPr lang="pt-BR" sz="8800" b="1" dirty="0" smtClean="0">
               <a:solidFill>
@@ -9960,7 +10677,17 @@
                 <a:latin typeface="Tempus Sans ITC" pitchFamily="82" charset="0"/>
                 <a:cs typeface="MV Boli" pitchFamily="2" charset="0"/>
               </a:rPr>
-              <a:t>A Solução do Problema</a:t>
+              <a:t>The </a:t>
+            </a:r>
+            <a:r>
+              <a:rPr lang="pt-BR" sz="4800" b="1" dirty="0" err="1" smtClean="0">
+                <a:solidFill>
+                  <a:schemeClr val="bg1"/>
+                </a:solidFill>
+                <a:latin typeface="Tempus Sans ITC" pitchFamily="82" charset="0"/>
+                <a:cs typeface="MV Boli" pitchFamily="2" charset="0"/>
+              </a:rPr>
+              <a:t>solution</a:t>
             </a:r>
             <a:endParaRPr lang="pt-BR" sz="6000" b="1" dirty="0">
               <a:solidFill>
@@ -12595,30 +13322,37 @@
                 <a:latin typeface="Tempus Sans ITC" pitchFamily="82" charset="0"/>
                 <a:cs typeface="MV Boli" pitchFamily="2" charset="0"/>
               </a:rPr>
-              <a:t>A questão</a:t>
-            </a:r>
-          </a:p>
-          <a:p>
-            <a:pPr algn="ctr"/>
-            <a:r>
-              <a:rPr lang="pt-BR" sz="4400" b="1" dirty="0" smtClean="0">
+              <a:t>The </a:t>
+            </a:r>
+            <a:r>
+              <a:rPr lang="pt-BR" sz="8000" b="1" dirty="0" err="1" smtClean="0">
                 <a:solidFill>
                   <a:schemeClr val="bg1"/>
                 </a:solidFill>
                 <a:latin typeface="Tempus Sans ITC" pitchFamily="82" charset="0"/>
                 <a:cs typeface="MV Boli" pitchFamily="2" charset="0"/>
               </a:rPr>
-              <a:t>das </a:t>
-            </a:r>
-            <a:r>
-              <a:rPr lang="pt-BR" sz="4400" b="1" dirty="0" smtClean="0">
+              <a:t>Esri</a:t>
+            </a:r>
+            <a:endParaRPr lang="pt-BR" sz="8000" b="1" dirty="0" smtClean="0">
+              <a:solidFill>
+                <a:schemeClr val="bg1"/>
+              </a:solidFill>
+              <a:latin typeface="Tempus Sans ITC" pitchFamily="82" charset="0"/>
+              <a:cs typeface="MV Boli" pitchFamily="2" charset="0"/>
+            </a:endParaRPr>
+          </a:p>
+          <a:p>
+            <a:pPr algn="ctr"/>
+            <a:r>
+              <a:rPr lang="pt-BR" sz="4400" b="1" dirty="0" err="1" smtClean="0">
                 <a:solidFill>
                   <a:srgbClr val="92D050"/>
                 </a:solidFill>
                 <a:latin typeface="Tempus Sans ITC" pitchFamily="82" charset="0"/>
                 <a:cs typeface="MV Boli" pitchFamily="2" charset="0"/>
               </a:rPr>
-              <a:t>Licenças </a:t>
+              <a:t>licen</a:t>
             </a:r>
             <a:r>
               <a:rPr lang="pt-BR" sz="4400" b="1" dirty="0" err="1" smtClean="0">
@@ -12628,7 +13362,27 @@
                 <a:latin typeface="Tempus Sans ITC" pitchFamily="82" charset="0"/>
                 <a:cs typeface="MV Boli" pitchFamily="2" charset="0"/>
               </a:rPr>
-              <a:t>Esri</a:t>
+              <a:t>ses</a:t>
+            </a:r>
+            <a:r>
+              <a:rPr lang="pt-BR" sz="4400" b="1" dirty="0" smtClean="0">
+                <a:solidFill>
+                  <a:srgbClr val="92D050"/>
+                </a:solidFill>
+                <a:latin typeface="Tempus Sans ITC" pitchFamily="82" charset="0"/>
+                <a:cs typeface="MV Boli" pitchFamily="2" charset="0"/>
+              </a:rPr>
+              <a:t> </a:t>
+            </a:r>
+            <a:r>
+              <a:rPr lang="pt-BR" sz="4400" b="1" dirty="0" err="1" smtClean="0">
+                <a:solidFill>
+                  <a:srgbClr val="92D050"/>
+                </a:solidFill>
+                <a:latin typeface="Tempus Sans ITC" pitchFamily="82" charset="0"/>
+                <a:cs typeface="MV Boli" pitchFamily="2" charset="0"/>
+              </a:rPr>
+              <a:t>question</a:t>
             </a:r>
             <a:endParaRPr lang="pt-BR" sz="5400" b="1" dirty="0">
               <a:solidFill>
